--- a/EE/ppt/A Fundamental Tradeoff between Computation and Communication in Distributed Computing.pptx
+++ b/EE/ppt/A Fundamental Tradeoff between Computation and Communication in Distributed Computing.pptx
@@ -234,7 +234,7 @@
           <a:p>
             <a:fld id="{05E4A27D-8F84-4640-89D9-D1F193818ED4}" type="datetimeFigureOut">
               <a:rPr lang="zh-CN" altLang="en-US" smtClean="0"/>
-              <a:t>2019/8/8</a:t>
+              <a:t>2019/10/31</a:t>
             </a:fld>
             <a:endParaRPr lang="zh-CN" altLang="en-US"/>
           </a:p>
@@ -632,7 +632,7 @@
           <a:p>
             <a:fld id="{3B35E88A-0C04-4D9B-8B96-610A5A967938}" type="datetimeFigureOut">
               <a:rPr lang="zh-CN" altLang="en-US" smtClean="0"/>
-              <a:t>2019/8/8</a:t>
+              <a:t>2019/10/31</a:t>
             </a:fld>
             <a:endParaRPr lang="zh-CN" altLang="en-US"/>
           </a:p>
@@ -802,7 +802,7 @@
           <a:p>
             <a:fld id="{3B35E88A-0C04-4D9B-8B96-610A5A967938}" type="datetimeFigureOut">
               <a:rPr lang="zh-CN" altLang="en-US" smtClean="0"/>
-              <a:t>2019/8/8</a:t>
+              <a:t>2019/10/31</a:t>
             </a:fld>
             <a:endParaRPr lang="zh-CN" altLang="en-US"/>
           </a:p>
@@ -982,7 +982,7 @@
           <a:p>
             <a:fld id="{3B35E88A-0C04-4D9B-8B96-610A5A967938}" type="datetimeFigureOut">
               <a:rPr lang="zh-CN" altLang="en-US" smtClean="0"/>
-              <a:t>2019/8/8</a:t>
+              <a:t>2019/10/31</a:t>
             </a:fld>
             <a:endParaRPr lang="zh-CN" altLang="en-US"/>
           </a:p>
@@ -1152,7 +1152,7 @@
           <a:p>
             <a:fld id="{3B35E88A-0C04-4D9B-8B96-610A5A967938}" type="datetimeFigureOut">
               <a:rPr lang="zh-CN" altLang="en-US" smtClean="0"/>
-              <a:t>2019/8/8</a:t>
+              <a:t>2019/10/31</a:t>
             </a:fld>
             <a:endParaRPr lang="zh-CN" altLang="en-US"/>
           </a:p>
@@ -1398,7 +1398,7 @@
           <a:p>
             <a:fld id="{3B35E88A-0C04-4D9B-8B96-610A5A967938}" type="datetimeFigureOut">
               <a:rPr lang="zh-CN" altLang="en-US" smtClean="0"/>
-              <a:t>2019/8/8</a:t>
+              <a:t>2019/10/31</a:t>
             </a:fld>
             <a:endParaRPr lang="zh-CN" altLang="en-US"/>
           </a:p>
@@ -1630,7 +1630,7 @@
           <a:p>
             <a:fld id="{3B35E88A-0C04-4D9B-8B96-610A5A967938}" type="datetimeFigureOut">
               <a:rPr lang="zh-CN" altLang="en-US" smtClean="0"/>
-              <a:t>2019/8/8</a:t>
+              <a:t>2019/10/31</a:t>
             </a:fld>
             <a:endParaRPr lang="zh-CN" altLang="en-US"/>
           </a:p>
@@ -1997,7 +1997,7 @@
           <a:p>
             <a:fld id="{3B35E88A-0C04-4D9B-8B96-610A5A967938}" type="datetimeFigureOut">
               <a:rPr lang="zh-CN" altLang="en-US" smtClean="0"/>
-              <a:t>2019/8/8</a:t>
+              <a:t>2019/10/31</a:t>
             </a:fld>
             <a:endParaRPr lang="zh-CN" altLang="en-US"/>
           </a:p>
@@ -2115,7 +2115,7 @@
           <a:p>
             <a:fld id="{3B35E88A-0C04-4D9B-8B96-610A5A967938}" type="datetimeFigureOut">
               <a:rPr lang="zh-CN" altLang="en-US" smtClean="0"/>
-              <a:t>2019/8/8</a:t>
+              <a:t>2019/10/31</a:t>
             </a:fld>
             <a:endParaRPr lang="zh-CN" altLang="en-US"/>
           </a:p>
@@ -2210,7 +2210,7 @@
           <a:p>
             <a:fld id="{3B35E88A-0C04-4D9B-8B96-610A5A967938}" type="datetimeFigureOut">
               <a:rPr lang="zh-CN" altLang="en-US" smtClean="0"/>
-              <a:t>2019/8/8</a:t>
+              <a:t>2019/10/31</a:t>
             </a:fld>
             <a:endParaRPr lang="zh-CN" altLang="en-US"/>
           </a:p>
@@ -2487,7 +2487,7 @@
           <a:p>
             <a:fld id="{3B35E88A-0C04-4D9B-8B96-610A5A967938}" type="datetimeFigureOut">
               <a:rPr lang="zh-CN" altLang="en-US" smtClean="0"/>
-              <a:t>2019/8/8</a:t>
+              <a:t>2019/10/31</a:t>
             </a:fld>
             <a:endParaRPr lang="zh-CN" altLang="en-US"/>
           </a:p>
@@ -2744,7 +2744,7 @@
           <a:p>
             <a:fld id="{3B35E88A-0C04-4D9B-8B96-610A5A967938}" type="datetimeFigureOut">
               <a:rPr lang="zh-CN" altLang="en-US" smtClean="0"/>
-              <a:t>2019/8/8</a:t>
+              <a:t>2019/10/31</a:t>
             </a:fld>
             <a:endParaRPr lang="zh-CN" altLang="en-US"/>
           </a:p>
@@ -2957,7 +2957,7 @@
           <a:p>
             <a:fld id="{3B35E88A-0C04-4D9B-8B96-610A5A967938}" type="datetimeFigureOut">
               <a:rPr lang="zh-CN" altLang="en-US" smtClean="0"/>
-              <a:t>2019/8/8</a:t>
+              <a:t>2019/10/31</a:t>
             </a:fld>
             <a:endParaRPr lang="zh-CN" altLang="en-US"/>
           </a:p>
@@ -3380,7 +3380,7 @@
         </p:nvSpPr>
         <p:spPr>
           <a:xfrm>
-            <a:off x="1458012" y="2347848"/>
+            <a:off x="1282166" y="1468617"/>
             <a:ext cx="9144000" cy="2387600"/>
           </a:xfrm>
         </p:spPr>
@@ -3400,6 +3400,92 @@
             <a:r>
               <a:rPr lang="en-US" altLang="zh-CN" dirty="0"/>
               <a:t>Communication in Distributed Computing</a:t>
+            </a:r>
+            <a:endParaRPr lang="zh-CN" altLang="en-US" dirty="0"/>
+          </a:p>
+        </p:txBody>
+      </p:sp>
+      <p:sp>
+        <p:nvSpPr>
+          <p:cNvPr id="3" name="文本框 2"/>
+          <p:cNvSpPr txBox="1"/>
+          <p:nvPr/>
+        </p:nvSpPr>
+        <p:spPr>
+          <a:xfrm>
+            <a:off x="1943031" y="4413738"/>
+            <a:ext cx="7822269" cy="1200329"/>
+          </a:xfrm>
+          <a:prstGeom prst="rect">
+            <a:avLst/>
+          </a:prstGeom>
+          <a:noFill/>
+        </p:spPr>
+        <p:txBody>
+          <a:bodyPr wrap="square" rtlCol="0">
+            <a:spAutoFit/>
+          </a:bodyPr>
+          <a:lstStyle/>
+          <a:p>
+            <a:r>
+              <a:rPr lang="en-US" altLang="zh-CN" b="1" dirty="0" err="1"/>
+              <a:t>Songze</a:t>
+            </a:r>
+            <a:r>
+              <a:rPr lang="en-US" altLang="zh-CN" b="1" dirty="0"/>
+              <a:t> Li, Student Member, IEEE, Mohammad Ali </a:t>
+            </a:r>
+            <a:r>
+              <a:rPr lang="en-US" altLang="zh-CN" b="1" dirty="0" err="1"/>
+              <a:t>Maddah</a:t>
+            </a:r>
+            <a:r>
+              <a:rPr lang="en-US" altLang="zh-CN" b="1" dirty="0"/>
+              <a:t>-Ali, Member, IEEE,</a:t>
+            </a:r>
+          </a:p>
+          <a:p>
+            <a:r>
+              <a:rPr lang="en-US" altLang="zh-CN" b="1" dirty="0"/>
+              <a:t>Qian Yu, Student Member, IEEE, and A. Salman </a:t>
+            </a:r>
+            <a:r>
+              <a:rPr lang="en-US" altLang="zh-CN" b="1" dirty="0" err="1"/>
+              <a:t>Avestimehr</a:t>
+            </a:r>
+            <a:r>
+              <a:rPr lang="en-US" altLang="zh-CN" b="1" dirty="0"/>
+              <a:t>, Senior Member, IEEE</a:t>
+            </a:r>
+            <a:endParaRPr lang="en-US" altLang="zh-CN" b="1" dirty="0" smtClean="0"/>
+          </a:p>
+          <a:p>
+            <a:endParaRPr lang="en-US" altLang="zh-CN" b="1" dirty="0"/>
+          </a:p>
+          <a:p>
+            <a:r>
+              <a:rPr lang="en-US" altLang="zh-CN" b="1" dirty="0"/>
+              <a:t> </a:t>
+            </a:r>
+            <a:r>
+              <a:rPr lang="en-US" altLang="zh-CN" dirty="0">
+                <a:hlinkClick r:id="rId2"/>
+              </a:rPr>
+              <a:t>IEEE Transactions on Information Theory</a:t>
+            </a:r>
+            <a:r>
+              <a:rPr lang="en-US" altLang="zh-CN" dirty="0"/>
+              <a:t> ( Volume: 64 , </a:t>
+            </a:r>
+            <a:r>
+              <a:rPr lang="en-US" altLang="zh-CN" dirty="0">
+                <a:hlinkClick r:id="rId3"/>
+              </a:rPr>
+              <a:t>Issue: 1</a:t>
+            </a:r>
+            <a:r>
+              <a:rPr lang="en-US" altLang="zh-CN" dirty="0"/>
+              <a:t> , Jan. 2018 )</a:t>
             </a:r>
             <a:endParaRPr lang="zh-CN" altLang="en-US" dirty="0"/>
           </a:p>
@@ -13806,8 +13892,8 @@
           </a:prstGeom>
         </p:spPr>
       </p:pic>
-      <mc:AlternateContent xmlns:mc="http://schemas.openxmlformats.org/markup-compatibility/2006">
-        <mc:Choice xmlns:a14="http://schemas.microsoft.com/office/drawing/2010/main" Requires="a14">
+      <mc:AlternateContent xmlns:mc="http://schemas.openxmlformats.org/markup-compatibility/2006" xmlns:a14="http://schemas.microsoft.com/office/drawing/2010/main">
+        <mc:Choice Requires="a14">
           <p:sp>
             <p:nvSpPr>
               <p:cNvPr id="7" name="文本框 6">
@@ -14076,7 +14162,7 @@
             </p:txBody>
           </p:sp>
         </mc:Choice>
-        <mc:Fallback>
+        <mc:Fallback xmlns="">
           <p:sp>
             <p:nvSpPr>
               <p:cNvPr id="7" name="文本框 6">
@@ -14190,8 +14276,8 @@
           </a:p>
         </p:txBody>
       </p:sp>
-      <mc:AlternateContent xmlns:mc="http://schemas.openxmlformats.org/markup-compatibility/2006">
-        <mc:Choice xmlns:a14="http://schemas.microsoft.com/office/drawing/2010/main" Requires="a14">
+      <mc:AlternateContent xmlns:mc="http://schemas.openxmlformats.org/markup-compatibility/2006" xmlns:a14="http://schemas.microsoft.com/office/drawing/2010/main">
+        <mc:Choice Requires="a14">
           <p:sp>
             <p:nvSpPr>
               <p:cNvPr id="6" name="文本框 5">
@@ -14307,7 +14393,7 @@
                           <a:rPr lang="zh-CN" altLang="en-US" sz="2000" i="1">
                             <a:latin typeface="Cambria Math" panose="02040503050406030204" pitchFamily="18" charset="0"/>
                           </a:rPr>
-                          <m:t>*</m:t>
+                          <m:t>∗</m:t>
                         </m:r>
                       </m:sup>
                     </m:sSup>
@@ -14464,7 +14550,7 @@
             </p:txBody>
           </p:sp>
         </mc:Choice>
-        <mc:Fallback>
+        <mc:Fallback xmlns="">
           <p:sp>
             <p:nvSpPr>
               <p:cNvPr id="6" name="文本框 5">
@@ -15662,7 +15748,7 @@
             <p:spPr>
               <a:xfrm>
                 <a:off x="518474" y="923827"/>
-                <a:ext cx="11019934" cy="5592941"/>
+                <a:ext cx="11019934" cy="6200993"/>
               </a:xfrm>
               <a:prstGeom prst="rect">
                 <a:avLst/>
@@ -16046,152 +16132,636 @@
                 <a:endParaRPr lang="en-US" altLang="zh-CN" sz="2000" dirty="0"/>
               </a:p>
               <a:p>
+                <a:r>
+                  <a:rPr lang="zh-CN" altLang="en-US" sz="2000" dirty="0"/>
+                  <a:t>或者</a:t>
+                </a:r>
+                <a:r>
+                  <a:rPr lang="en-US" altLang="zh-CN" sz="2000" dirty="0"/>
+                  <a:t>(N-</a:t>
+                </a:r>
+                <a:r>
+                  <a:rPr lang="en-US" altLang="zh-CN" sz="2000" dirty="0" err="1"/>
+                  <a:t>rN</a:t>
+                </a:r>
+                <a:r>
+                  <a:rPr lang="en-US" altLang="zh-CN" sz="2000" dirty="0"/>
+                  <a:t>/K)*Q/K*K </a:t>
+                </a:r>
+                <a:r>
+                  <a:rPr lang="zh-CN" altLang="en-US" sz="2000" dirty="0"/>
+                  <a:t>每个用户对于一个</a:t>
+                </a:r>
+                <a:r>
+                  <a:rPr lang="en-US" altLang="zh-CN" sz="2000" dirty="0"/>
+                  <a:t>function</a:t>
+                </a:r>
+                <a:r>
+                  <a:rPr lang="zh-CN" altLang="en-US" sz="2000" dirty="0"/>
+                  <a:t>还需要</a:t>
+                </a:r>
+                <a:r>
+                  <a:rPr lang="en-US" altLang="zh-CN" sz="2000" dirty="0"/>
+                  <a:t>N-</a:t>
+                </a:r>
+                <a:r>
+                  <a:rPr lang="en-US" altLang="zh-CN" sz="2000" dirty="0" err="1"/>
+                  <a:t>rN</a:t>
+                </a:r>
+                <a:r>
+                  <a:rPr lang="en-US" altLang="zh-CN" sz="2000" dirty="0"/>
+                  <a:t>/K</a:t>
+                </a:r>
+                <a:r>
+                  <a:rPr lang="zh-CN" altLang="en-US" sz="2000" dirty="0"/>
+                  <a:t>个中间值，有</a:t>
+                </a:r>
+                <a:r>
+                  <a:rPr lang="en-US" altLang="zh-CN" sz="2000" dirty="0"/>
+                  <a:t>Q/K</a:t>
+                </a:r>
+                <a:r>
+                  <a:rPr lang="zh-CN" altLang="en-US" sz="2000" dirty="0"/>
+                  <a:t>个</a:t>
+                </a:r>
+                <a:r>
+                  <a:rPr lang="en-US" altLang="zh-CN" sz="2000" dirty="0"/>
+                  <a:t>function</a:t>
+                </a:r>
+                <a:r>
+                  <a:rPr lang="zh-CN" altLang="en-US" sz="2000" dirty="0"/>
+                  <a:t>，有</a:t>
+                </a:r>
+                <a:r>
+                  <a:rPr lang="en-US" altLang="zh-CN" sz="2000" dirty="0"/>
+                  <a:t>K</a:t>
+                </a:r>
+                <a:r>
+                  <a:rPr lang="zh-CN" altLang="en-US" sz="2000" dirty="0"/>
+                  <a:t>个用户</a:t>
+                </a:r>
                 <a:endParaRPr lang="en-US" altLang="zh-CN" sz="2000" dirty="0"/>
               </a:p>
               <a:p>
-                <a:pPr/>
+                <a:endParaRPr lang="en-US" altLang="zh-CN" sz="2000" dirty="0"/>
+              </a:p>
+              <a:p>
                 <a14:m>
-                  <m:oMathPara xmlns:m="http://schemas.openxmlformats.org/officeDocument/2006/math">
-                    <m:oMathParaPr>
-                      <m:jc m:val="left"/>
-                    </m:oMathParaPr>
-                    <m:oMath xmlns:m="http://schemas.openxmlformats.org/officeDocument/2006/math">
-                      <m:sSub>
-                        <m:sSubPr>
-                          <m:ctrlPr>
-                            <a:rPr lang="en-US" altLang="zh-CN" sz="2000" i="1">
-                              <a:latin typeface="Cambria Math" panose="02040503050406030204" pitchFamily="18" charset="0"/>
-                            </a:rPr>
-                          </m:ctrlPr>
-                        </m:sSubPr>
-                        <m:e>
-                          <m:r>
-                            <a:rPr lang="en-US" altLang="zh-CN" sz="2000" i="1">
-                              <a:latin typeface="Cambria Math" panose="02040503050406030204" pitchFamily="18" charset="0"/>
-                            </a:rPr>
-                            <m:t>𝐿</m:t>
-                          </m:r>
-                        </m:e>
-                        <m:sub>
-                          <m:r>
-                            <m:rPr>
-                              <m:sty m:val="p"/>
-                            </m:rPr>
-                            <a:rPr lang="en-US" altLang="zh-CN" sz="2000" i="1">
-                              <a:latin typeface="Cambria Math" panose="02040503050406030204" pitchFamily="18" charset="0"/>
-                            </a:rPr>
-                            <m:t>c</m:t>
-                          </m:r>
-                          <m:r>
-                            <a:rPr lang="en-US" altLang="zh-CN" sz="2000" i="1">
-                              <a:latin typeface="Cambria Math" panose="02040503050406030204" pitchFamily="18" charset="0"/>
-                            </a:rPr>
-                            <m:t>𝑜𝑑𝑒𝑑</m:t>
-                          </m:r>
-                        </m:sub>
-                      </m:sSub>
-                      <m:d>
-                        <m:dPr>
-                          <m:ctrlPr>
-                            <a:rPr lang="en-US" altLang="zh-CN" sz="2000" i="1">
-                              <a:latin typeface="Cambria Math" panose="02040503050406030204" pitchFamily="18" charset="0"/>
-                            </a:rPr>
-                          </m:ctrlPr>
-                        </m:dPr>
-                        <m:e>
-                          <m:r>
-                            <m:rPr>
-                              <m:sty m:val="p"/>
-                            </m:rPr>
-                            <a:rPr lang="en-US" altLang="zh-CN" sz="2000">
-                              <a:latin typeface="Cambria Math" panose="02040503050406030204" pitchFamily="18" charset="0"/>
-                            </a:rPr>
-                            <m:t>r</m:t>
-                          </m:r>
-                        </m:e>
-                      </m:d>
-                      <m:r>
-                        <a:rPr lang="en-US" altLang="zh-CN" sz="2000">
-                          <a:latin typeface="Cambria Math" panose="02040503050406030204" pitchFamily="18" charset="0"/>
-                        </a:rPr>
-                        <m:t>=</m:t>
-                      </m:r>
-                      <m:f>
-                        <m:fPr>
-                          <m:ctrlPr>
-                            <a:rPr lang="en-US" altLang="zh-CN" sz="2000" i="1" smtClean="0">
-                              <a:latin typeface="Cambria Math" panose="02040503050406030204" pitchFamily="18" charset="0"/>
-                            </a:rPr>
-                          </m:ctrlPr>
-                        </m:fPr>
-                        <m:num>
-                          <m:r>
-                            <a:rPr lang="en-US" altLang="zh-CN" sz="2000" b="0" i="1" smtClean="0">
-                              <a:latin typeface="Cambria Math" panose="02040503050406030204" pitchFamily="18" charset="0"/>
-                            </a:rPr>
-                            <m:t>1</m:t>
-                          </m:r>
-                        </m:num>
-                        <m:den>
-                          <m:r>
-                            <a:rPr lang="en-US" altLang="zh-CN" sz="2000" b="0" i="1" smtClean="0">
-                              <a:latin typeface="Cambria Math" panose="02040503050406030204" pitchFamily="18" charset="0"/>
-                            </a:rPr>
-                            <m:t>𝑟</m:t>
-                          </m:r>
-                        </m:den>
-                      </m:f>
-                      <m:r>
-                        <a:rPr lang="en-US" altLang="zh-CN" sz="2000" b="0" i="0" smtClean="0">
-                          <a:latin typeface="Cambria Math" panose="02040503050406030204" pitchFamily="18" charset="0"/>
-                        </a:rPr>
-                        <m:t>(</m:t>
-                      </m:r>
-                      <m:r>
-                        <a:rPr lang="en-US" altLang="zh-CN" sz="2000">
-                          <a:latin typeface="Cambria Math" panose="02040503050406030204" pitchFamily="18" charset="0"/>
-                        </a:rPr>
-                        <m:t>1−</m:t>
-                      </m:r>
-                      <m:f>
-                        <m:fPr>
-                          <m:ctrlPr>
-                            <a:rPr lang="en-US" altLang="zh-CN" sz="2000" i="1">
-                              <a:latin typeface="Cambria Math" panose="02040503050406030204" pitchFamily="18" charset="0"/>
-                            </a:rPr>
-                          </m:ctrlPr>
-                        </m:fPr>
-                        <m:num>
-                          <m:r>
-                            <m:rPr>
-                              <m:sty m:val="p"/>
-                            </m:rPr>
-                            <a:rPr lang="en-US" altLang="zh-CN" sz="2000">
-                              <a:latin typeface="Cambria Math" panose="02040503050406030204" pitchFamily="18" charset="0"/>
-                            </a:rPr>
-                            <m:t>r</m:t>
-                          </m:r>
-                        </m:num>
-                        <m:den>
-                          <m:r>
-                            <m:rPr>
-                              <m:sty m:val="p"/>
-                            </m:rPr>
-                            <a:rPr lang="en-US" altLang="zh-CN" sz="2000">
-                              <a:latin typeface="Cambria Math" panose="02040503050406030204" pitchFamily="18" charset="0"/>
-                            </a:rPr>
-                            <m:t>k</m:t>
-                          </m:r>
-                        </m:den>
-                      </m:f>
-                      <m:r>
-                        <a:rPr lang="en-US" altLang="zh-CN" sz="2000" b="0" i="0" smtClean="0">
-                          <a:latin typeface="Cambria Math" panose="02040503050406030204" pitchFamily="18" charset="0"/>
-                        </a:rPr>
-                        <m:t>)</m:t>
-                      </m:r>
-                    </m:oMath>
-                  </m:oMathPara>
+                  <m:oMath xmlns:m="http://schemas.openxmlformats.org/officeDocument/2006/math">
+                    <m:sSub>
+                      <m:sSubPr>
+                        <m:ctrlPr>
+                          <a:rPr lang="en-US" altLang="zh-CN" sz="2000" i="1">
+                            <a:latin typeface="Cambria Math" panose="02040503050406030204" pitchFamily="18" charset="0"/>
+                          </a:rPr>
+                        </m:ctrlPr>
+                      </m:sSubPr>
+                      <m:e>
+                        <m:r>
+                          <a:rPr lang="en-US" altLang="zh-CN" sz="2000" i="1">
+                            <a:latin typeface="Cambria Math" panose="02040503050406030204" pitchFamily="18" charset="0"/>
+                          </a:rPr>
+                          <m:t>𝐿</m:t>
+                        </m:r>
+                      </m:e>
+                      <m:sub>
+                        <m:r>
+                          <m:rPr>
+                            <m:sty m:val="p"/>
+                          </m:rPr>
+                          <a:rPr lang="en-US" altLang="zh-CN" sz="2000" i="1">
+                            <a:latin typeface="Cambria Math" panose="02040503050406030204" pitchFamily="18" charset="0"/>
+                          </a:rPr>
+                          <m:t>c</m:t>
+                        </m:r>
+                        <m:r>
+                          <a:rPr lang="en-US" altLang="zh-CN" sz="2000" i="1">
+                            <a:latin typeface="Cambria Math" panose="02040503050406030204" pitchFamily="18" charset="0"/>
+                          </a:rPr>
+                          <m:t>𝑜𝑑𝑒𝑑</m:t>
+                        </m:r>
+                      </m:sub>
+                    </m:sSub>
+                    <m:d>
+                      <m:dPr>
+                        <m:ctrlPr>
+                          <a:rPr lang="en-US" altLang="zh-CN" sz="2000" i="1">
+                            <a:latin typeface="Cambria Math" panose="02040503050406030204" pitchFamily="18" charset="0"/>
+                          </a:rPr>
+                        </m:ctrlPr>
+                      </m:dPr>
+                      <m:e>
+                        <m:r>
+                          <m:rPr>
+                            <m:sty m:val="p"/>
+                          </m:rPr>
+                          <a:rPr lang="en-US" altLang="zh-CN" sz="2000">
+                            <a:latin typeface="Cambria Math" panose="02040503050406030204" pitchFamily="18" charset="0"/>
+                          </a:rPr>
+                          <m:t>r</m:t>
+                        </m:r>
+                      </m:e>
+                    </m:d>
+                    <m:r>
+                      <a:rPr lang="en-US" altLang="zh-CN" sz="2000">
+                        <a:latin typeface="Cambria Math" panose="02040503050406030204" pitchFamily="18" charset="0"/>
+                      </a:rPr>
+                      <m:t>=</m:t>
+                    </m:r>
+                    <m:f>
+                      <m:fPr>
+                        <m:ctrlPr>
+                          <a:rPr lang="en-US" altLang="zh-CN" sz="2000" i="1">
+                            <a:latin typeface="Cambria Math" panose="02040503050406030204" pitchFamily="18" charset="0"/>
+                          </a:rPr>
+                        </m:ctrlPr>
+                      </m:fPr>
+                      <m:num>
+                        <m:r>
+                          <a:rPr lang="en-US" altLang="zh-CN" sz="2000" i="1">
+                            <a:latin typeface="Cambria Math" panose="02040503050406030204" pitchFamily="18" charset="0"/>
+                          </a:rPr>
+                          <m:t>1</m:t>
+                        </m:r>
+                      </m:num>
+                      <m:den>
+                        <m:r>
+                          <a:rPr lang="en-US" altLang="zh-CN" sz="2000" i="1">
+                            <a:latin typeface="Cambria Math" panose="02040503050406030204" pitchFamily="18" charset="0"/>
+                          </a:rPr>
+                          <m:t>𝑟</m:t>
+                        </m:r>
+                      </m:den>
+                    </m:f>
+                    <m:r>
+                      <a:rPr lang="en-US" altLang="zh-CN" sz="2000">
+                        <a:latin typeface="Cambria Math" panose="02040503050406030204" pitchFamily="18" charset="0"/>
+                      </a:rPr>
+                      <m:t>(1−</m:t>
+                    </m:r>
+                    <m:f>
+                      <m:fPr>
+                        <m:ctrlPr>
+                          <a:rPr lang="en-US" altLang="zh-CN" sz="2000" i="1">
+                            <a:latin typeface="Cambria Math" panose="02040503050406030204" pitchFamily="18" charset="0"/>
+                          </a:rPr>
+                        </m:ctrlPr>
+                      </m:fPr>
+                      <m:num>
+                        <m:r>
+                          <m:rPr>
+                            <m:sty m:val="p"/>
+                          </m:rPr>
+                          <a:rPr lang="en-US" altLang="zh-CN" sz="2000">
+                            <a:latin typeface="Cambria Math" panose="02040503050406030204" pitchFamily="18" charset="0"/>
+                          </a:rPr>
+                          <m:t>r</m:t>
+                        </m:r>
+                      </m:num>
+                      <m:den>
+                        <m:r>
+                          <m:rPr>
+                            <m:sty m:val="p"/>
+                          </m:rPr>
+                          <a:rPr lang="en-US" altLang="zh-CN" sz="2000">
+                            <a:latin typeface="Cambria Math" panose="02040503050406030204" pitchFamily="18" charset="0"/>
+                          </a:rPr>
+                          <m:t>k</m:t>
+                        </m:r>
+                      </m:den>
+                    </m:f>
+                    <m:r>
+                      <a:rPr lang="en-US" altLang="zh-CN" sz="2000">
+                        <a:latin typeface="Cambria Math" panose="02040503050406030204" pitchFamily="18" charset="0"/>
+                      </a:rPr>
+                      <m:t>)</m:t>
+                    </m:r>
+                  </m:oMath>
+                </a14:m>
+                <a:r>
+                  <a:rPr lang="en-US" altLang="zh-CN" sz="2000" dirty="0"/>
+                  <a:t>    </a:t>
+                </a:r>
+                <a14:m>
+                  <m:oMath xmlns:m="http://schemas.openxmlformats.org/officeDocument/2006/math">
+                    <m:d>
+                      <m:dPr>
+                        <m:ctrlPr>
+                          <a:rPr lang="en-US" altLang="zh-CN" sz="2000" i="1" dirty="0">
+                            <a:latin typeface="Cambria Math" panose="02040503050406030204" pitchFamily="18" charset="0"/>
+                          </a:rPr>
+                        </m:ctrlPr>
+                      </m:dPr>
+                      <m:e>
+                        <m:f>
+                          <m:fPr>
+                            <m:type m:val="noBar"/>
+                            <m:ctrlPr>
+                              <a:rPr lang="en-US" altLang="zh-CN" sz="2000" i="1" dirty="0">
+                                <a:latin typeface="Cambria Math" panose="02040503050406030204" pitchFamily="18" charset="0"/>
+                              </a:rPr>
+                            </m:ctrlPr>
+                          </m:fPr>
+                          <m:num>
+                            <m:r>
+                              <a:rPr lang="en-US" altLang="zh-CN" sz="2000" i="1" dirty="0">
+                                <a:latin typeface="Cambria Math" panose="02040503050406030204" pitchFamily="18" charset="0"/>
+                              </a:rPr>
+                              <m:t>𝑘</m:t>
+                            </m:r>
+                          </m:num>
+                          <m:den>
+                            <m:r>
+                              <a:rPr lang="en-US" altLang="zh-CN" sz="2000" i="1" dirty="0">
+                                <a:latin typeface="Cambria Math" panose="02040503050406030204" pitchFamily="18" charset="0"/>
+                              </a:rPr>
+                              <m:t>𝑟</m:t>
+                            </m:r>
+                            <m:r>
+                              <a:rPr lang="en-US" altLang="zh-CN" sz="2000" i="1" dirty="0">
+                                <a:latin typeface="Cambria Math" panose="02040503050406030204" pitchFamily="18" charset="0"/>
+                              </a:rPr>
+                              <m:t>+1</m:t>
+                            </m:r>
+                          </m:den>
+                        </m:f>
+                      </m:e>
+                    </m:d>
+                    <m:r>
+                      <a:rPr lang="en-US" altLang="zh-CN" sz="2000" i="1" dirty="0">
+                        <a:latin typeface="Cambria Math" panose="02040503050406030204" pitchFamily="18" charset="0"/>
+                      </a:rPr>
+                      <m:t> </m:t>
+                    </m:r>
+                    <m:f>
+                      <m:fPr>
+                        <m:ctrlPr>
+                          <a:rPr lang="en-US" altLang="zh-CN" sz="2000" i="1" dirty="0">
+                            <a:latin typeface="Cambria Math" panose="02040503050406030204" pitchFamily="18" charset="0"/>
+                          </a:rPr>
+                        </m:ctrlPr>
+                      </m:fPr>
+                      <m:num>
+                        <m:r>
+                          <a:rPr lang="en-US" altLang="zh-CN" sz="2000" i="1" dirty="0">
+                            <a:latin typeface="Cambria Math" panose="02040503050406030204" pitchFamily="18" charset="0"/>
+                          </a:rPr>
+                          <m:t>𝐵</m:t>
+                        </m:r>
+                      </m:num>
+                      <m:den>
+                        <m:r>
+                          <a:rPr lang="en-US" altLang="zh-CN" sz="2000" i="1" dirty="0">
+                            <a:latin typeface="Cambria Math" panose="02040503050406030204" pitchFamily="18" charset="0"/>
+                          </a:rPr>
+                          <m:t>𝑟</m:t>
+                        </m:r>
+                      </m:den>
+                    </m:f>
+                    <m:d>
+                      <m:dPr>
+                        <m:ctrlPr>
+                          <a:rPr lang="en-US" altLang="zh-CN" sz="2000" i="1" dirty="0">
+                            <a:latin typeface="Cambria Math" panose="02040503050406030204" pitchFamily="18" charset="0"/>
+                          </a:rPr>
+                        </m:ctrlPr>
+                      </m:dPr>
+                      <m:e>
+                        <m:r>
+                          <a:rPr lang="en-US" altLang="zh-CN" sz="2000" i="1" dirty="0">
+                            <a:latin typeface="Cambria Math" panose="02040503050406030204" pitchFamily="18" charset="0"/>
+                          </a:rPr>
+                          <m:t>𝑟</m:t>
+                        </m:r>
+                        <m:r>
+                          <a:rPr lang="en-US" altLang="zh-CN" sz="2000" i="1" dirty="0">
+                            <a:latin typeface="Cambria Math" panose="02040503050406030204" pitchFamily="18" charset="0"/>
+                          </a:rPr>
+                          <m:t>+1</m:t>
+                        </m:r>
+                      </m:e>
+                    </m:d>
+                    <m:r>
+                      <a:rPr lang="en-US" altLang="zh-CN" sz="2000" i="1" dirty="0">
+                        <a:latin typeface="Cambria Math" panose="02040503050406030204" pitchFamily="18" charset="0"/>
+                      </a:rPr>
+                      <m:t> </m:t>
+                    </m:r>
+                    <m:f>
+                      <m:fPr>
+                        <m:ctrlPr>
+                          <a:rPr lang="en-US" altLang="zh-CN" sz="2000" i="1" dirty="0">
+                            <a:latin typeface="Cambria Math" panose="02040503050406030204" pitchFamily="18" charset="0"/>
+                          </a:rPr>
+                        </m:ctrlPr>
+                      </m:fPr>
+                      <m:num>
+                        <m:r>
+                          <a:rPr lang="en-US" altLang="zh-CN" sz="2000" i="1" dirty="0">
+                            <a:latin typeface="Cambria Math" panose="02040503050406030204" pitchFamily="18" charset="0"/>
+                          </a:rPr>
+                          <m:t>𝑄</m:t>
+                        </m:r>
+                      </m:num>
+                      <m:den>
+                        <m:r>
+                          <a:rPr lang="en-US" altLang="zh-CN" sz="2000" i="1" dirty="0">
+                            <a:latin typeface="Cambria Math" panose="02040503050406030204" pitchFamily="18" charset="0"/>
+                          </a:rPr>
+                          <m:t>𝐾</m:t>
+                        </m:r>
+                      </m:den>
+                    </m:f>
+                    <m:r>
+                      <a:rPr lang="en-US" altLang="zh-CN" sz="2000" dirty="0">
+                        <a:latin typeface="Cambria Math" panose="02040503050406030204" pitchFamily="18" charset="0"/>
+                      </a:rPr>
+                      <m:t>=</m:t>
+                    </m:r>
+                    <m:d>
+                      <m:dPr>
+                        <m:ctrlPr>
+                          <a:rPr lang="en-US" altLang="zh-CN" sz="2000" i="1" dirty="0">
+                            <a:latin typeface="Cambria Math" panose="02040503050406030204" pitchFamily="18" charset="0"/>
+                          </a:rPr>
+                        </m:ctrlPr>
+                      </m:dPr>
+                      <m:e>
+                        <m:f>
+                          <m:fPr>
+                            <m:type m:val="noBar"/>
+                            <m:ctrlPr>
+                              <a:rPr lang="en-US" altLang="zh-CN" sz="2000" i="1" dirty="0">
+                                <a:latin typeface="Cambria Math" panose="02040503050406030204" pitchFamily="18" charset="0"/>
+                              </a:rPr>
+                            </m:ctrlPr>
+                          </m:fPr>
+                          <m:num>
+                            <m:r>
+                              <a:rPr lang="en-US" altLang="zh-CN" sz="2000" i="1" dirty="0">
+                                <a:latin typeface="Cambria Math" panose="02040503050406030204" pitchFamily="18" charset="0"/>
+                              </a:rPr>
+                              <m:t>𝑘</m:t>
+                            </m:r>
+                          </m:num>
+                          <m:den>
+                            <m:r>
+                              <a:rPr lang="en-US" altLang="zh-CN" sz="2000" i="1" dirty="0">
+                                <a:latin typeface="Cambria Math" panose="02040503050406030204" pitchFamily="18" charset="0"/>
+                              </a:rPr>
+                              <m:t>𝑟</m:t>
+                            </m:r>
+                            <m:r>
+                              <a:rPr lang="en-US" altLang="zh-CN" sz="2000" i="1" dirty="0">
+                                <a:latin typeface="Cambria Math" panose="02040503050406030204" pitchFamily="18" charset="0"/>
+                              </a:rPr>
+                              <m:t>+1</m:t>
+                            </m:r>
+                          </m:den>
+                        </m:f>
+                      </m:e>
+                    </m:d>
+                    <m:r>
+                      <a:rPr lang="en-US" altLang="zh-CN" sz="2000" i="1" dirty="0">
+                        <a:latin typeface="Cambria Math" panose="02040503050406030204" pitchFamily="18" charset="0"/>
+                      </a:rPr>
+                      <m:t> </m:t>
+                    </m:r>
+                    <m:f>
+                      <m:fPr>
+                        <m:ctrlPr>
+                          <a:rPr lang="en-US" altLang="zh-CN" sz="2000" i="1" dirty="0">
+                            <a:latin typeface="Cambria Math" panose="02040503050406030204" pitchFamily="18" charset="0"/>
+                          </a:rPr>
+                        </m:ctrlPr>
+                      </m:fPr>
+                      <m:num>
+                        <m:r>
+                          <a:rPr lang="en-US" altLang="zh-CN" sz="2000" i="1" dirty="0">
+                            <a:latin typeface="Cambria Math" panose="02040503050406030204" pitchFamily="18" charset="0"/>
+                          </a:rPr>
+                          <m:t>𝑁</m:t>
+                        </m:r>
+                      </m:num>
+                      <m:den>
+                        <m:r>
+                          <a:rPr lang="en-US" altLang="zh-CN" sz="2000" i="1" dirty="0">
+                            <a:latin typeface="Cambria Math" panose="02040503050406030204" pitchFamily="18" charset="0"/>
+                          </a:rPr>
+                          <m:t>𝑟</m:t>
+                        </m:r>
+                        <m:d>
+                          <m:dPr>
+                            <m:ctrlPr>
+                              <a:rPr lang="en-US" altLang="zh-CN" sz="2000" i="1" dirty="0">
+                                <a:latin typeface="Cambria Math" panose="02040503050406030204" pitchFamily="18" charset="0"/>
+                              </a:rPr>
+                            </m:ctrlPr>
+                          </m:dPr>
+                          <m:e>
+                            <m:f>
+                              <m:fPr>
+                                <m:type m:val="noBar"/>
+                                <m:ctrlPr>
+                                  <a:rPr lang="en-US" altLang="zh-CN" sz="2000" i="1" dirty="0">
+                                    <a:latin typeface="Cambria Math" panose="02040503050406030204" pitchFamily="18" charset="0"/>
+                                  </a:rPr>
+                                </m:ctrlPr>
+                              </m:fPr>
+                              <m:num>
+                                <m:r>
+                                  <a:rPr lang="en-US" altLang="zh-CN" sz="2000" i="1" dirty="0">
+                                    <a:latin typeface="Cambria Math" panose="02040503050406030204" pitchFamily="18" charset="0"/>
+                                  </a:rPr>
+                                  <m:t>𝑘</m:t>
+                                </m:r>
+                              </m:num>
+                              <m:den>
+                                <m:r>
+                                  <a:rPr lang="en-US" altLang="zh-CN" sz="2000" i="1" dirty="0">
+                                    <a:latin typeface="Cambria Math" panose="02040503050406030204" pitchFamily="18" charset="0"/>
+                                  </a:rPr>
+                                  <m:t>𝑟</m:t>
+                                </m:r>
+                              </m:den>
+                            </m:f>
+                          </m:e>
+                        </m:d>
+                      </m:den>
+                    </m:f>
+                    <m:d>
+                      <m:dPr>
+                        <m:ctrlPr>
+                          <a:rPr lang="en-US" altLang="zh-CN" sz="2000" i="1" dirty="0">
+                            <a:latin typeface="Cambria Math" panose="02040503050406030204" pitchFamily="18" charset="0"/>
+                          </a:rPr>
+                        </m:ctrlPr>
+                      </m:dPr>
+                      <m:e>
+                        <m:r>
+                          <a:rPr lang="en-US" altLang="zh-CN" sz="2000" i="1" dirty="0">
+                            <a:latin typeface="Cambria Math" panose="02040503050406030204" pitchFamily="18" charset="0"/>
+                          </a:rPr>
+                          <m:t>𝑟</m:t>
+                        </m:r>
+                        <m:r>
+                          <a:rPr lang="en-US" altLang="zh-CN" sz="2000" i="1" dirty="0">
+                            <a:latin typeface="Cambria Math" panose="02040503050406030204" pitchFamily="18" charset="0"/>
+                          </a:rPr>
+                          <m:t>+1</m:t>
+                        </m:r>
+                      </m:e>
+                    </m:d>
+                    <m:r>
+                      <a:rPr lang="en-US" altLang="zh-CN" sz="2000" i="1" dirty="0">
+                        <a:latin typeface="Cambria Math" panose="02040503050406030204" pitchFamily="18" charset="0"/>
+                      </a:rPr>
+                      <m:t> </m:t>
+                    </m:r>
+                    <m:f>
+                      <m:fPr>
+                        <m:ctrlPr>
+                          <a:rPr lang="en-US" altLang="zh-CN" sz="2000" i="1" dirty="0">
+                            <a:latin typeface="Cambria Math" panose="02040503050406030204" pitchFamily="18" charset="0"/>
+                          </a:rPr>
+                        </m:ctrlPr>
+                      </m:fPr>
+                      <m:num>
+                        <m:r>
+                          <a:rPr lang="en-US" altLang="zh-CN" sz="2000" i="1" dirty="0">
+                            <a:latin typeface="Cambria Math" panose="02040503050406030204" pitchFamily="18" charset="0"/>
+                          </a:rPr>
+                          <m:t>𝑄</m:t>
+                        </m:r>
+                      </m:num>
+                      <m:den>
+                        <m:r>
+                          <a:rPr lang="en-US" altLang="zh-CN" sz="2000" i="1" dirty="0">
+                            <a:latin typeface="Cambria Math" panose="02040503050406030204" pitchFamily="18" charset="0"/>
+                          </a:rPr>
+                          <m:t>𝐾</m:t>
+                        </m:r>
+                      </m:den>
+                    </m:f>
+                    <m:r>
+                      <a:rPr lang="en-US" altLang="zh-CN" sz="2000" i="1" dirty="0">
+                        <a:latin typeface="Cambria Math" panose="02040503050406030204" pitchFamily="18" charset="0"/>
+                      </a:rPr>
+                      <m:t>=</m:t>
+                    </m:r>
+                    <m:r>
+                      <a:rPr lang="en-US" altLang="zh-CN" sz="2000" i="1" dirty="0">
+                        <a:latin typeface="Cambria Math" panose="02040503050406030204" pitchFamily="18" charset="0"/>
+                      </a:rPr>
+                      <m:t>𝑁𝑄</m:t>
+                    </m:r>
+                    <m:f>
+                      <m:fPr>
+                        <m:ctrlPr>
+                          <a:rPr lang="en-US" altLang="zh-CN" sz="2000" i="1" dirty="0">
+                            <a:latin typeface="Cambria Math" panose="02040503050406030204" pitchFamily="18" charset="0"/>
+                          </a:rPr>
+                        </m:ctrlPr>
+                      </m:fPr>
+                      <m:num>
+                        <m:r>
+                          <a:rPr lang="en-US" altLang="zh-CN" sz="2000" i="1" dirty="0">
+                            <a:latin typeface="Cambria Math" panose="02040503050406030204" pitchFamily="18" charset="0"/>
+                          </a:rPr>
+                          <m:t>𝐾</m:t>
+                        </m:r>
+                        <m:r>
+                          <a:rPr lang="en-US" altLang="zh-CN" sz="2000" i="1" dirty="0">
+                            <a:latin typeface="Cambria Math" panose="02040503050406030204" pitchFamily="18" charset="0"/>
+                          </a:rPr>
+                          <m:t>−</m:t>
+                        </m:r>
+                        <m:r>
+                          <a:rPr lang="en-US" altLang="zh-CN" sz="2000" i="1" dirty="0">
+                            <a:latin typeface="Cambria Math" panose="02040503050406030204" pitchFamily="18" charset="0"/>
+                          </a:rPr>
+                          <m:t>𝑟</m:t>
+                        </m:r>
+                      </m:num>
+                      <m:den>
+                        <m:r>
+                          <a:rPr lang="en-US" altLang="zh-CN" sz="2000" i="1" dirty="0">
+                            <a:latin typeface="Cambria Math" panose="02040503050406030204" pitchFamily="18" charset="0"/>
+                          </a:rPr>
+                          <m:t>𝑟</m:t>
+                        </m:r>
+                        <m:r>
+                          <a:rPr lang="en-US" altLang="zh-CN" sz="2000" i="1" dirty="0">
+                            <a:latin typeface="Cambria Math" panose="02040503050406030204" pitchFamily="18" charset="0"/>
+                          </a:rPr>
+                          <m:t>(</m:t>
+                        </m:r>
+                        <m:r>
+                          <a:rPr lang="en-US" altLang="zh-CN" sz="2000" i="1" dirty="0">
+                            <a:latin typeface="Cambria Math" panose="02040503050406030204" pitchFamily="18" charset="0"/>
+                          </a:rPr>
+                          <m:t>𝑟</m:t>
+                        </m:r>
+                        <m:r>
+                          <a:rPr lang="en-US" altLang="zh-CN" sz="2000" i="1" dirty="0">
+                            <a:latin typeface="Cambria Math" panose="02040503050406030204" pitchFamily="18" charset="0"/>
+                          </a:rPr>
+                          <m:t>+1)</m:t>
+                        </m:r>
+                      </m:den>
+                    </m:f>
+                    <m:r>
+                      <a:rPr lang="en-US" altLang="zh-CN" sz="2000" i="1" dirty="0">
+                        <a:latin typeface="Cambria Math" panose="02040503050406030204" pitchFamily="18" charset="0"/>
+                      </a:rPr>
+                      <m:t>(</m:t>
+                    </m:r>
+                    <m:r>
+                      <a:rPr lang="en-US" altLang="zh-CN" sz="2000" i="1" dirty="0">
+                        <a:latin typeface="Cambria Math" panose="02040503050406030204" pitchFamily="18" charset="0"/>
+                      </a:rPr>
+                      <m:t>𝑟</m:t>
+                    </m:r>
+                    <m:r>
+                      <a:rPr lang="en-US" altLang="zh-CN" sz="2000" i="1" dirty="0">
+                        <a:latin typeface="Cambria Math" panose="02040503050406030204" pitchFamily="18" charset="0"/>
+                      </a:rPr>
+                      <m:t>+1)</m:t>
+                    </m:r>
+                  </m:oMath>
+                </a14:m>
+                <a:r>
+                  <a:rPr lang="en-US" altLang="zh-CN" sz="2000" dirty="0"/>
+                  <a:t> </a:t>
+                </a:r>
+                <a14:m>
+                  <m:oMath xmlns:m="http://schemas.openxmlformats.org/officeDocument/2006/math">
+                    <m:f>
+                      <m:fPr>
+                        <m:ctrlPr>
+                          <a:rPr lang="en-US" altLang="zh-CN" sz="2000" i="1" dirty="0">
+                            <a:latin typeface="Cambria Math" panose="02040503050406030204" pitchFamily="18" charset="0"/>
+                          </a:rPr>
+                        </m:ctrlPr>
+                      </m:fPr>
+                      <m:num>
+                        <m:r>
+                          <a:rPr lang="en-US" altLang="zh-CN" sz="2000" i="1" dirty="0">
+                            <a:latin typeface="Cambria Math" panose="02040503050406030204" pitchFamily="18" charset="0"/>
+                          </a:rPr>
+                          <m:t>1</m:t>
+                        </m:r>
+                      </m:num>
+                      <m:den>
+                        <m:r>
+                          <a:rPr lang="en-US" altLang="zh-CN" sz="2000" i="1" dirty="0">
+                            <a:latin typeface="Cambria Math" panose="02040503050406030204" pitchFamily="18" charset="0"/>
+                          </a:rPr>
+                          <m:t>𝐾</m:t>
+                        </m:r>
+                      </m:den>
+                    </m:f>
+                  </m:oMath>
                 </a14:m>
                 <a:endParaRPr lang="en-US" altLang="zh-CN" sz="2000" dirty="0"/>
               </a:p>
@@ -16226,7 +16796,7 @@
             <p:spPr>
               <a:xfrm>
                 <a:off x="518474" y="923827"/>
-                <a:ext cx="11019934" cy="5592941"/>
+                <a:ext cx="11019934" cy="6200993"/>
               </a:xfrm>
               <a:prstGeom prst="rect">
                 <a:avLst/>
@@ -16234,7 +16804,7 @@
               <a:blipFill>
                 <a:blip r:embed="rId2"/>
                 <a:stretch>
-                  <a:fillRect l="-608" t="-981" r="-1217"/>
+                  <a:fillRect l="-608" t="-885" r="-1217"/>
                 </a:stretch>
               </a:blipFill>
             </p:spPr>
